--- a/ppt 16-9/1453.人人都应该知.pptx
+++ b/ppt 16-9/1453.人人都应该知.pptx
@@ -5,7 +5,7 @@
     <p:sldMasterId id="2147483648" r:id="rId1"/>
   </p:sldMasterIdLst>
   <p:sldIdLst>
-    <p:sldId id="1024" r:id="rId2"/>
+    <p:sldId id="1025" r:id="rId2"/>
   </p:sldIdLst>
   <p:sldSz cx="12192000" cy="6858000"/>
   <p:notesSz cx="6858000" cy="9144000"/>
@@ -129,7 +129,7 @@
           <p:cNvPr id="2" name="标题 1">
             <a:extLst>
               <a:ext uri="{FF2B5EF4-FFF2-40B4-BE49-F238E27FC236}">
-                <a16:creationId xmlns:a16="http://schemas.microsoft.com/office/drawing/2014/main" id="{E0F625AA-78A9-38ED-280C-5FBBB72733DE}"/>
+                <a16:creationId xmlns:a16="http://schemas.microsoft.com/office/drawing/2014/main" id="{A54869E1-3900-A848-FB85-6526A7A56CA6}"/>
               </a:ext>
             </a:extLst>
           </p:cNvPr>
@@ -166,7 +166,7 @@
           <p:cNvPr id="3" name="副标题 2">
             <a:extLst>
               <a:ext uri="{FF2B5EF4-FFF2-40B4-BE49-F238E27FC236}">
-                <a16:creationId xmlns:a16="http://schemas.microsoft.com/office/drawing/2014/main" id="{8D5F3472-B571-4969-AEF0-7E1857CA93BB}"/>
+                <a16:creationId xmlns:a16="http://schemas.microsoft.com/office/drawing/2014/main" id="{600AA43C-7716-C2E3-C0E1-370422F14EB1}"/>
               </a:ext>
             </a:extLst>
           </p:cNvPr>
@@ -236,7 +236,7 @@
           <p:cNvPr id="4" name="日期占位符 3">
             <a:extLst>
               <a:ext uri="{FF2B5EF4-FFF2-40B4-BE49-F238E27FC236}">
-                <a16:creationId xmlns:a16="http://schemas.microsoft.com/office/drawing/2014/main" id="{38531FBB-D51B-24A8-8A6A-B71045A4D144}"/>
+                <a16:creationId xmlns:a16="http://schemas.microsoft.com/office/drawing/2014/main" id="{5C380CB1-6DB9-34B5-1188-6B41E004AE0A}"/>
               </a:ext>
             </a:extLst>
           </p:cNvPr>
@@ -252,7 +252,7 @@
           <a:bodyPr/>
           <a:lstStyle/>
           <a:p>
-            <a:fld id="{2789D620-C528-4A3A-BA49-40B12A8B4ACB}" type="datetimeFigureOut">
+            <a:fld id="{2DB0E834-B6FB-4A10-9C25-79D73218A930}" type="datetimeFigureOut">
               <a:rPr lang="zh-CN" altLang="en-US" smtClean="0"/>
               <a:t>2024/3/10</a:t>
             </a:fld>
@@ -265,7 +265,7 @@
           <p:cNvPr id="5" name="页脚占位符 4">
             <a:extLst>
               <a:ext uri="{FF2B5EF4-FFF2-40B4-BE49-F238E27FC236}">
-                <a16:creationId xmlns:a16="http://schemas.microsoft.com/office/drawing/2014/main" id="{D68F8D5F-1E89-30DC-F088-14B3E949FD4B}"/>
+                <a16:creationId xmlns:a16="http://schemas.microsoft.com/office/drawing/2014/main" id="{5FD664DD-4F19-8B4D-1246-12654FA86619}"/>
               </a:ext>
             </a:extLst>
           </p:cNvPr>
@@ -290,7 +290,7 @@
           <p:cNvPr id="6" name="灯片编号占位符 5">
             <a:extLst>
               <a:ext uri="{FF2B5EF4-FFF2-40B4-BE49-F238E27FC236}">
-                <a16:creationId xmlns:a16="http://schemas.microsoft.com/office/drawing/2014/main" id="{43EB3896-9BBF-F2EA-9D02-1B48693A0386}"/>
+                <a16:creationId xmlns:a16="http://schemas.microsoft.com/office/drawing/2014/main" id="{33884818-AD2C-1813-5D3C-AD8ECAC77D95}"/>
               </a:ext>
             </a:extLst>
           </p:cNvPr>
@@ -306,7 +306,7 @@
           <a:bodyPr/>
           <a:lstStyle/>
           <a:p>
-            <a:fld id="{C9258441-4333-4267-B295-8BB494AA7183}" type="slidenum">
+            <a:fld id="{0EEC29DF-C9A2-41A6-8FC1-841BC816C07E}" type="slidenum">
               <a:rPr lang="zh-CN" altLang="en-US" smtClean="0"/>
               <a:t>‹#›</a:t>
             </a:fld>
@@ -317,7 +317,7 @@
     </p:spTree>
     <p:extLst>
       <p:ext uri="{BB962C8B-B14F-4D97-AF65-F5344CB8AC3E}">
-        <p14:creationId xmlns:p14="http://schemas.microsoft.com/office/powerpoint/2010/main" val="3974250958"/>
+        <p14:creationId xmlns:p14="http://schemas.microsoft.com/office/powerpoint/2010/main" val="4106111172"/>
       </p:ext>
     </p:extLst>
   </p:cSld>
@@ -349,7 +349,7 @@
           <p:cNvPr id="2" name="标题 1">
             <a:extLst>
               <a:ext uri="{FF2B5EF4-FFF2-40B4-BE49-F238E27FC236}">
-                <a16:creationId xmlns:a16="http://schemas.microsoft.com/office/drawing/2014/main" id="{98EB4B2C-89C1-5A43-31CC-DE73FE448AEF}"/>
+                <a16:creationId xmlns:a16="http://schemas.microsoft.com/office/drawing/2014/main" id="{7EF8707E-D9CB-1D6B-B269-7C98F29B90B6}"/>
               </a:ext>
             </a:extLst>
           </p:cNvPr>
@@ -377,7 +377,7 @@
           <p:cNvPr id="3" name="竖排文字占位符 2">
             <a:extLst>
               <a:ext uri="{FF2B5EF4-FFF2-40B4-BE49-F238E27FC236}">
-                <a16:creationId xmlns:a16="http://schemas.microsoft.com/office/drawing/2014/main" id="{F46190C5-B461-3A02-1E8F-72D3A2B832CB}"/>
+                <a16:creationId xmlns:a16="http://schemas.microsoft.com/office/drawing/2014/main" id="{6D48E224-89A5-5066-9DD2-CAE60D82DC47}"/>
               </a:ext>
             </a:extLst>
           </p:cNvPr>
@@ -434,7 +434,7 @@
           <p:cNvPr id="4" name="日期占位符 3">
             <a:extLst>
               <a:ext uri="{FF2B5EF4-FFF2-40B4-BE49-F238E27FC236}">
-                <a16:creationId xmlns:a16="http://schemas.microsoft.com/office/drawing/2014/main" id="{E260AB19-158D-2331-A477-52378AB75EF9}"/>
+                <a16:creationId xmlns:a16="http://schemas.microsoft.com/office/drawing/2014/main" id="{D4DEBB21-721F-3BF3-E1E8-474EE66AA06E}"/>
               </a:ext>
             </a:extLst>
           </p:cNvPr>
@@ -450,7 +450,7 @@
           <a:bodyPr/>
           <a:lstStyle/>
           <a:p>
-            <a:fld id="{2789D620-C528-4A3A-BA49-40B12A8B4ACB}" type="datetimeFigureOut">
+            <a:fld id="{2DB0E834-B6FB-4A10-9C25-79D73218A930}" type="datetimeFigureOut">
               <a:rPr lang="zh-CN" altLang="en-US" smtClean="0"/>
               <a:t>2024/3/10</a:t>
             </a:fld>
@@ -463,7 +463,7 @@
           <p:cNvPr id="5" name="页脚占位符 4">
             <a:extLst>
               <a:ext uri="{FF2B5EF4-FFF2-40B4-BE49-F238E27FC236}">
-                <a16:creationId xmlns:a16="http://schemas.microsoft.com/office/drawing/2014/main" id="{48088515-FC1E-FC54-C24D-0C84975D8E40}"/>
+                <a16:creationId xmlns:a16="http://schemas.microsoft.com/office/drawing/2014/main" id="{65D94563-D342-BE9F-0182-40579D8CFEC7}"/>
               </a:ext>
             </a:extLst>
           </p:cNvPr>
@@ -488,7 +488,7 @@
           <p:cNvPr id="6" name="灯片编号占位符 5">
             <a:extLst>
               <a:ext uri="{FF2B5EF4-FFF2-40B4-BE49-F238E27FC236}">
-                <a16:creationId xmlns:a16="http://schemas.microsoft.com/office/drawing/2014/main" id="{04AD17A8-EDB8-E635-6A61-1CCE7F5D9B7B}"/>
+                <a16:creationId xmlns:a16="http://schemas.microsoft.com/office/drawing/2014/main" id="{3E1AD643-1859-E0C4-7D21-21D241851254}"/>
               </a:ext>
             </a:extLst>
           </p:cNvPr>
@@ -504,7 +504,7 @@
           <a:bodyPr/>
           <a:lstStyle/>
           <a:p>
-            <a:fld id="{C9258441-4333-4267-B295-8BB494AA7183}" type="slidenum">
+            <a:fld id="{0EEC29DF-C9A2-41A6-8FC1-841BC816C07E}" type="slidenum">
               <a:rPr lang="zh-CN" altLang="en-US" smtClean="0"/>
               <a:t>‹#›</a:t>
             </a:fld>
@@ -515,7 +515,7 @@
     </p:spTree>
     <p:extLst>
       <p:ext uri="{BB962C8B-B14F-4D97-AF65-F5344CB8AC3E}">
-        <p14:creationId xmlns:p14="http://schemas.microsoft.com/office/powerpoint/2010/main" val="4126191906"/>
+        <p14:creationId xmlns:p14="http://schemas.microsoft.com/office/powerpoint/2010/main" val="2784806436"/>
       </p:ext>
     </p:extLst>
   </p:cSld>
@@ -547,7 +547,7 @@
           <p:cNvPr id="2" name="竖排标题 1">
             <a:extLst>
               <a:ext uri="{FF2B5EF4-FFF2-40B4-BE49-F238E27FC236}">
-                <a16:creationId xmlns:a16="http://schemas.microsoft.com/office/drawing/2014/main" id="{A718F9D4-64C7-F548-73F4-311E7C26031F}"/>
+                <a16:creationId xmlns:a16="http://schemas.microsoft.com/office/drawing/2014/main" id="{BDA0BCE7-9345-85DF-2C87-59876668D374}"/>
               </a:ext>
             </a:extLst>
           </p:cNvPr>
@@ -580,7 +580,7 @@
           <p:cNvPr id="3" name="竖排文字占位符 2">
             <a:extLst>
               <a:ext uri="{FF2B5EF4-FFF2-40B4-BE49-F238E27FC236}">
-                <a16:creationId xmlns:a16="http://schemas.microsoft.com/office/drawing/2014/main" id="{58561D77-4963-F1FE-4842-885C2BA097EC}"/>
+                <a16:creationId xmlns:a16="http://schemas.microsoft.com/office/drawing/2014/main" id="{118B9C33-8D39-2002-9259-58313B61C55E}"/>
               </a:ext>
             </a:extLst>
           </p:cNvPr>
@@ -642,7 +642,7 @@
           <p:cNvPr id="4" name="日期占位符 3">
             <a:extLst>
               <a:ext uri="{FF2B5EF4-FFF2-40B4-BE49-F238E27FC236}">
-                <a16:creationId xmlns:a16="http://schemas.microsoft.com/office/drawing/2014/main" id="{DE5AED9F-8CE0-6325-F178-4EBDC1FDBABA}"/>
+                <a16:creationId xmlns:a16="http://schemas.microsoft.com/office/drawing/2014/main" id="{ACC834AC-0CB9-B884-74C8-54CC76D03B93}"/>
               </a:ext>
             </a:extLst>
           </p:cNvPr>
@@ -658,7 +658,7 @@
           <a:bodyPr/>
           <a:lstStyle/>
           <a:p>
-            <a:fld id="{2789D620-C528-4A3A-BA49-40B12A8B4ACB}" type="datetimeFigureOut">
+            <a:fld id="{2DB0E834-B6FB-4A10-9C25-79D73218A930}" type="datetimeFigureOut">
               <a:rPr lang="zh-CN" altLang="en-US" smtClean="0"/>
               <a:t>2024/3/10</a:t>
             </a:fld>
@@ -671,7 +671,7 @@
           <p:cNvPr id="5" name="页脚占位符 4">
             <a:extLst>
               <a:ext uri="{FF2B5EF4-FFF2-40B4-BE49-F238E27FC236}">
-                <a16:creationId xmlns:a16="http://schemas.microsoft.com/office/drawing/2014/main" id="{8BC3635B-2CA2-E15D-567E-9553B4010F01}"/>
+                <a16:creationId xmlns:a16="http://schemas.microsoft.com/office/drawing/2014/main" id="{4EBC5877-C954-CB57-A659-899FACB661FA}"/>
               </a:ext>
             </a:extLst>
           </p:cNvPr>
@@ -696,7 +696,7 @@
           <p:cNvPr id="6" name="灯片编号占位符 5">
             <a:extLst>
               <a:ext uri="{FF2B5EF4-FFF2-40B4-BE49-F238E27FC236}">
-                <a16:creationId xmlns:a16="http://schemas.microsoft.com/office/drawing/2014/main" id="{D69F8FB9-B7BC-963B-0A7C-D6935BBA7E24}"/>
+                <a16:creationId xmlns:a16="http://schemas.microsoft.com/office/drawing/2014/main" id="{913EABD8-8062-7C8B-9B1B-489CE9C556A0}"/>
               </a:ext>
             </a:extLst>
           </p:cNvPr>
@@ -712,7 +712,7 @@
           <a:bodyPr/>
           <a:lstStyle/>
           <a:p>
-            <a:fld id="{C9258441-4333-4267-B295-8BB494AA7183}" type="slidenum">
+            <a:fld id="{0EEC29DF-C9A2-41A6-8FC1-841BC816C07E}" type="slidenum">
               <a:rPr lang="zh-CN" altLang="en-US" smtClean="0"/>
               <a:t>‹#›</a:t>
             </a:fld>
@@ -723,7 +723,7 @@
     </p:spTree>
     <p:extLst>
       <p:ext uri="{BB962C8B-B14F-4D97-AF65-F5344CB8AC3E}">
-        <p14:creationId xmlns:p14="http://schemas.microsoft.com/office/powerpoint/2010/main" val="2986781419"/>
+        <p14:creationId xmlns:p14="http://schemas.microsoft.com/office/powerpoint/2010/main" val="2195209413"/>
       </p:ext>
     </p:extLst>
   </p:cSld>
@@ -755,7 +755,7 @@
           <p:cNvPr id="2" name="标题 1">
             <a:extLst>
               <a:ext uri="{FF2B5EF4-FFF2-40B4-BE49-F238E27FC236}">
-                <a16:creationId xmlns:a16="http://schemas.microsoft.com/office/drawing/2014/main" id="{4D9502A9-A1BE-704B-8B27-0FBAEE06BA86}"/>
+                <a16:creationId xmlns:a16="http://schemas.microsoft.com/office/drawing/2014/main" id="{9B661F08-6DEA-48B6-A391-0E06ACDE1AB2}"/>
               </a:ext>
             </a:extLst>
           </p:cNvPr>
@@ -783,7 +783,7 @@
           <p:cNvPr id="3" name="内容占位符 2">
             <a:extLst>
               <a:ext uri="{FF2B5EF4-FFF2-40B4-BE49-F238E27FC236}">
-                <a16:creationId xmlns:a16="http://schemas.microsoft.com/office/drawing/2014/main" id="{DCF590BD-A64E-0E87-DC7C-D3D0609D2EC6}"/>
+                <a16:creationId xmlns:a16="http://schemas.microsoft.com/office/drawing/2014/main" id="{5B6C6B9C-1F1E-E8B3-2D5A-80480373FEFB}"/>
               </a:ext>
             </a:extLst>
           </p:cNvPr>
@@ -840,7 +840,7 @@
           <p:cNvPr id="4" name="日期占位符 3">
             <a:extLst>
               <a:ext uri="{FF2B5EF4-FFF2-40B4-BE49-F238E27FC236}">
-                <a16:creationId xmlns:a16="http://schemas.microsoft.com/office/drawing/2014/main" id="{761795F9-38B5-EC0D-8DD4-0BBE0AA4EEDF}"/>
+                <a16:creationId xmlns:a16="http://schemas.microsoft.com/office/drawing/2014/main" id="{F82EC634-0C7D-A711-EE96-ADB073FA8665}"/>
               </a:ext>
             </a:extLst>
           </p:cNvPr>
@@ -856,7 +856,7 @@
           <a:bodyPr/>
           <a:lstStyle/>
           <a:p>
-            <a:fld id="{2789D620-C528-4A3A-BA49-40B12A8B4ACB}" type="datetimeFigureOut">
+            <a:fld id="{2DB0E834-B6FB-4A10-9C25-79D73218A930}" type="datetimeFigureOut">
               <a:rPr lang="zh-CN" altLang="en-US" smtClean="0"/>
               <a:t>2024/3/10</a:t>
             </a:fld>
@@ -869,7 +869,7 @@
           <p:cNvPr id="5" name="页脚占位符 4">
             <a:extLst>
               <a:ext uri="{FF2B5EF4-FFF2-40B4-BE49-F238E27FC236}">
-                <a16:creationId xmlns:a16="http://schemas.microsoft.com/office/drawing/2014/main" id="{231C7966-9DA7-8CA2-3751-8A63F20D51EB}"/>
+                <a16:creationId xmlns:a16="http://schemas.microsoft.com/office/drawing/2014/main" id="{E6630FE1-2851-A8F1-38FE-59E59C95C534}"/>
               </a:ext>
             </a:extLst>
           </p:cNvPr>
@@ -894,7 +894,7 @@
           <p:cNvPr id="6" name="灯片编号占位符 5">
             <a:extLst>
               <a:ext uri="{FF2B5EF4-FFF2-40B4-BE49-F238E27FC236}">
-                <a16:creationId xmlns:a16="http://schemas.microsoft.com/office/drawing/2014/main" id="{80F6B04B-8DC9-6F5C-8592-A9E08557A0E6}"/>
+                <a16:creationId xmlns:a16="http://schemas.microsoft.com/office/drawing/2014/main" id="{7A67481E-3E25-7115-A703-795BFA247D82}"/>
               </a:ext>
             </a:extLst>
           </p:cNvPr>
@@ -910,7 +910,7 @@
           <a:bodyPr/>
           <a:lstStyle/>
           <a:p>
-            <a:fld id="{C9258441-4333-4267-B295-8BB494AA7183}" type="slidenum">
+            <a:fld id="{0EEC29DF-C9A2-41A6-8FC1-841BC816C07E}" type="slidenum">
               <a:rPr lang="zh-CN" altLang="en-US" smtClean="0"/>
               <a:t>‹#›</a:t>
             </a:fld>
@@ -921,7 +921,7 @@
     </p:spTree>
     <p:extLst>
       <p:ext uri="{BB962C8B-B14F-4D97-AF65-F5344CB8AC3E}">
-        <p14:creationId xmlns:p14="http://schemas.microsoft.com/office/powerpoint/2010/main" val="771825832"/>
+        <p14:creationId xmlns:p14="http://schemas.microsoft.com/office/powerpoint/2010/main" val="1313919789"/>
       </p:ext>
     </p:extLst>
   </p:cSld>
@@ -953,7 +953,7 @@
           <p:cNvPr id="2" name="标题 1">
             <a:extLst>
               <a:ext uri="{FF2B5EF4-FFF2-40B4-BE49-F238E27FC236}">
-                <a16:creationId xmlns:a16="http://schemas.microsoft.com/office/drawing/2014/main" id="{DDC35148-127C-E24C-495E-42DB01A7D35A}"/>
+                <a16:creationId xmlns:a16="http://schemas.microsoft.com/office/drawing/2014/main" id="{067568DC-C3FA-9B20-9315-141B930F7D37}"/>
               </a:ext>
             </a:extLst>
           </p:cNvPr>
@@ -990,7 +990,7 @@
           <p:cNvPr id="3" name="文本占位符 2">
             <a:extLst>
               <a:ext uri="{FF2B5EF4-FFF2-40B4-BE49-F238E27FC236}">
-                <a16:creationId xmlns:a16="http://schemas.microsoft.com/office/drawing/2014/main" id="{0CA7CA13-853D-ED25-060A-D48E9E3A5D87}"/>
+                <a16:creationId xmlns:a16="http://schemas.microsoft.com/office/drawing/2014/main" id="{6275A670-03DB-D1EF-8BEE-349C6EF3ACCE}"/>
               </a:ext>
             </a:extLst>
           </p:cNvPr>
@@ -1115,7 +1115,7 @@
           <p:cNvPr id="4" name="日期占位符 3">
             <a:extLst>
               <a:ext uri="{FF2B5EF4-FFF2-40B4-BE49-F238E27FC236}">
-                <a16:creationId xmlns:a16="http://schemas.microsoft.com/office/drawing/2014/main" id="{A1FC0ADA-815A-31CA-9CAB-A931377AF2BE}"/>
+                <a16:creationId xmlns:a16="http://schemas.microsoft.com/office/drawing/2014/main" id="{4C64BE76-BE6D-483B-2F45-27FCAD727C3E}"/>
               </a:ext>
             </a:extLst>
           </p:cNvPr>
@@ -1131,7 +1131,7 @@
           <a:bodyPr/>
           <a:lstStyle/>
           <a:p>
-            <a:fld id="{2789D620-C528-4A3A-BA49-40B12A8B4ACB}" type="datetimeFigureOut">
+            <a:fld id="{2DB0E834-B6FB-4A10-9C25-79D73218A930}" type="datetimeFigureOut">
               <a:rPr lang="zh-CN" altLang="en-US" smtClean="0"/>
               <a:t>2024/3/10</a:t>
             </a:fld>
@@ -1144,7 +1144,7 @@
           <p:cNvPr id="5" name="页脚占位符 4">
             <a:extLst>
               <a:ext uri="{FF2B5EF4-FFF2-40B4-BE49-F238E27FC236}">
-                <a16:creationId xmlns:a16="http://schemas.microsoft.com/office/drawing/2014/main" id="{2593865B-B08D-8078-CDE9-BD4311A5016F}"/>
+                <a16:creationId xmlns:a16="http://schemas.microsoft.com/office/drawing/2014/main" id="{BB5C5283-3E11-D6CD-8D02-1C36B185383F}"/>
               </a:ext>
             </a:extLst>
           </p:cNvPr>
@@ -1169,7 +1169,7 @@
           <p:cNvPr id="6" name="灯片编号占位符 5">
             <a:extLst>
               <a:ext uri="{FF2B5EF4-FFF2-40B4-BE49-F238E27FC236}">
-                <a16:creationId xmlns:a16="http://schemas.microsoft.com/office/drawing/2014/main" id="{777599D4-7BF5-324A-6E85-0C9F9FEF688B}"/>
+                <a16:creationId xmlns:a16="http://schemas.microsoft.com/office/drawing/2014/main" id="{0396CD10-C24C-7703-D445-128CF02C3CA2}"/>
               </a:ext>
             </a:extLst>
           </p:cNvPr>
@@ -1185,7 +1185,7 @@
           <a:bodyPr/>
           <a:lstStyle/>
           <a:p>
-            <a:fld id="{C9258441-4333-4267-B295-8BB494AA7183}" type="slidenum">
+            <a:fld id="{0EEC29DF-C9A2-41A6-8FC1-841BC816C07E}" type="slidenum">
               <a:rPr lang="zh-CN" altLang="en-US" smtClean="0"/>
               <a:t>‹#›</a:t>
             </a:fld>
@@ -1196,7 +1196,7 @@
     </p:spTree>
     <p:extLst>
       <p:ext uri="{BB962C8B-B14F-4D97-AF65-F5344CB8AC3E}">
-        <p14:creationId xmlns:p14="http://schemas.microsoft.com/office/powerpoint/2010/main" val="2434239770"/>
+        <p14:creationId xmlns:p14="http://schemas.microsoft.com/office/powerpoint/2010/main" val="4073846267"/>
       </p:ext>
     </p:extLst>
   </p:cSld>
@@ -1228,7 +1228,7 @@
           <p:cNvPr id="2" name="标题 1">
             <a:extLst>
               <a:ext uri="{FF2B5EF4-FFF2-40B4-BE49-F238E27FC236}">
-                <a16:creationId xmlns:a16="http://schemas.microsoft.com/office/drawing/2014/main" id="{A56DA708-4068-9511-4929-685C18C40FF9}"/>
+                <a16:creationId xmlns:a16="http://schemas.microsoft.com/office/drawing/2014/main" id="{D53EF3CB-97A2-DBEA-32D3-B068C917CFAA}"/>
               </a:ext>
             </a:extLst>
           </p:cNvPr>
@@ -1256,7 +1256,7 @@
           <p:cNvPr id="3" name="内容占位符 2">
             <a:extLst>
               <a:ext uri="{FF2B5EF4-FFF2-40B4-BE49-F238E27FC236}">
-                <a16:creationId xmlns:a16="http://schemas.microsoft.com/office/drawing/2014/main" id="{8CD8917B-9540-2DC0-8D2B-3CF0FA402592}"/>
+                <a16:creationId xmlns:a16="http://schemas.microsoft.com/office/drawing/2014/main" id="{913FCD83-E046-C0E6-7B41-401E62E03835}"/>
               </a:ext>
             </a:extLst>
           </p:cNvPr>
@@ -1318,7 +1318,7 @@
           <p:cNvPr id="4" name="内容占位符 3">
             <a:extLst>
               <a:ext uri="{FF2B5EF4-FFF2-40B4-BE49-F238E27FC236}">
-                <a16:creationId xmlns:a16="http://schemas.microsoft.com/office/drawing/2014/main" id="{4FB9BE18-279A-1BE3-E7DD-8E4C1B3427C8}"/>
+                <a16:creationId xmlns:a16="http://schemas.microsoft.com/office/drawing/2014/main" id="{95192A8F-B1BD-A06E-5F20-DD63178B3215}"/>
               </a:ext>
             </a:extLst>
           </p:cNvPr>
@@ -1380,7 +1380,7 @@
           <p:cNvPr id="5" name="日期占位符 4">
             <a:extLst>
               <a:ext uri="{FF2B5EF4-FFF2-40B4-BE49-F238E27FC236}">
-                <a16:creationId xmlns:a16="http://schemas.microsoft.com/office/drawing/2014/main" id="{9D23CF78-C0D3-5833-BBAD-535E6546BBC6}"/>
+                <a16:creationId xmlns:a16="http://schemas.microsoft.com/office/drawing/2014/main" id="{F656B9AE-CF44-4A5A-8D17-8EFDE328F863}"/>
               </a:ext>
             </a:extLst>
           </p:cNvPr>
@@ -1396,7 +1396,7 @@
           <a:bodyPr/>
           <a:lstStyle/>
           <a:p>
-            <a:fld id="{2789D620-C528-4A3A-BA49-40B12A8B4ACB}" type="datetimeFigureOut">
+            <a:fld id="{2DB0E834-B6FB-4A10-9C25-79D73218A930}" type="datetimeFigureOut">
               <a:rPr lang="zh-CN" altLang="en-US" smtClean="0"/>
               <a:t>2024/3/10</a:t>
             </a:fld>
@@ -1409,7 +1409,7 @@
           <p:cNvPr id="6" name="页脚占位符 5">
             <a:extLst>
               <a:ext uri="{FF2B5EF4-FFF2-40B4-BE49-F238E27FC236}">
-                <a16:creationId xmlns:a16="http://schemas.microsoft.com/office/drawing/2014/main" id="{9CC2B819-9E54-0D08-11BA-AA22F74BAB0E}"/>
+                <a16:creationId xmlns:a16="http://schemas.microsoft.com/office/drawing/2014/main" id="{DF59D155-2F1D-DEC5-ABD6-6F06BD452C17}"/>
               </a:ext>
             </a:extLst>
           </p:cNvPr>
@@ -1434,7 +1434,7 @@
           <p:cNvPr id="7" name="灯片编号占位符 6">
             <a:extLst>
               <a:ext uri="{FF2B5EF4-FFF2-40B4-BE49-F238E27FC236}">
-                <a16:creationId xmlns:a16="http://schemas.microsoft.com/office/drawing/2014/main" id="{E9D925BB-6494-D25A-EDE0-4008A28AA4B9}"/>
+                <a16:creationId xmlns:a16="http://schemas.microsoft.com/office/drawing/2014/main" id="{DFDF3E78-0E19-FA01-E9F6-02C266365F9D}"/>
               </a:ext>
             </a:extLst>
           </p:cNvPr>
@@ -1450,7 +1450,7 @@
           <a:bodyPr/>
           <a:lstStyle/>
           <a:p>
-            <a:fld id="{C9258441-4333-4267-B295-8BB494AA7183}" type="slidenum">
+            <a:fld id="{0EEC29DF-C9A2-41A6-8FC1-841BC816C07E}" type="slidenum">
               <a:rPr lang="zh-CN" altLang="en-US" smtClean="0"/>
               <a:t>‹#›</a:t>
             </a:fld>
@@ -1461,7 +1461,7 @@
     </p:spTree>
     <p:extLst>
       <p:ext uri="{BB962C8B-B14F-4D97-AF65-F5344CB8AC3E}">
-        <p14:creationId xmlns:p14="http://schemas.microsoft.com/office/powerpoint/2010/main" val="4031803398"/>
+        <p14:creationId xmlns:p14="http://schemas.microsoft.com/office/powerpoint/2010/main" val="258956334"/>
       </p:ext>
     </p:extLst>
   </p:cSld>
@@ -1493,7 +1493,7 @@
           <p:cNvPr id="2" name="标题 1">
             <a:extLst>
               <a:ext uri="{FF2B5EF4-FFF2-40B4-BE49-F238E27FC236}">
-                <a16:creationId xmlns:a16="http://schemas.microsoft.com/office/drawing/2014/main" id="{A6154D52-BCE6-064E-D11F-0C4F85DFBB3A}"/>
+                <a16:creationId xmlns:a16="http://schemas.microsoft.com/office/drawing/2014/main" id="{8B940830-8EFE-01A6-133E-CEE0042F6023}"/>
               </a:ext>
             </a:extLst>
           </p:cNvPr>
@@ -1526,7 +1526,7 @@
           <p:cNvPr id="3" name="文本占位符 2">
             <a:extLst>
               <a:ext uri="{FF2B5EF4-FFF2-40B4-BE49-F238E27FC236}">
-                <a16:creationId xmlns:a16="http://schemas.microsoft.com/office/drawing/2014/main" id="{144F9EC8-D36F-D586-9778-F260F176E065}"/>
+                <a16:creationId xmlns:a16="http://schemas.microsoft.com/office/drawing/2014/main" id="{51396894-5DE8-2972-70D3-1091CE3534DD}"/>
               </a:ext>
             </a:extLst>
           </p:cNvPr>
@@ -1597,7 +1597,7 @@
           <p:cNvPr id="4" name="内容占位符 3">
             <a:extLst>
               <a:ext uri="{FF2B5EF4-FFF2-40B4-BE49-F238E27FC236}">
-                <a16:creationId xmlns:a16="http://schemas.microsoft.com/office/drawing/2014/main" id="{23127C72-4EE5-07F3-AD4F-CCB1F8B5EADB}"/>
+                <a16:creationId xmlns:a16="http://schemas.microsoft.com/office/drawing/2014/main" id="{A2C5D98B-6133-F75E-286D-919B238B78C7}"/>
               </a:ext>
             </a:extLst>
           </p:cNvPr>
@@ -1659,7 +1659,7 @@
           <p:cNvPr id="5" name="文本占位符 4">
             <a:extLst>
               <a:ext uri="{FF2B5EF4-FFF2-40B4-BE49-F238E27FC236}">
-                <a16:creationId xmlns:a16="http://schemas.microsoft.com/office/drawing/2014/main" id="{35398941-CF66-14C1-554C-08CBE3A72E29}"/>
+                <a16:creationId xmlns:a16="http://schemas.microsoft.com/office/drawing/2014/main" id="{0F2D854A-97F2-5DA3-B1D0-016919B70A9E}"/>
               </a:ext>
             </a:extLst>
           </p:cNvPr>
@@ -1730,7 +1730,7 @@
           <p:cNvPr id="6" name="内容占位符 5">
             <a:extLst>
               <a:ext uri="{FF2B5EF4-FFF2-40B4-BE49-F238E27FC236}">
-                <a16:creationId xmlns:a16="http://schemas.microsoft.com/office/drawing/2014/main" id="{0B84F4B8-B1C7-CDFF-1199-DE60A44A9B7D}"/>
+                <a16:creationId xmlns:a16="http://schemas.microsoft.com/office/drawing/2014/main" id="{1EAA0580-3DA9-097C-3B64-926FC5945437}"/>
               </a:ext>
             </a:extLst>
           </p:cNvPr>
@@ -1792,7 +1792,7 @@
           <p:cNvPr id="7" name="日期占位符 6">
             <a:extLst>
               <a:ext uri="{FF2B5EF4-FFF2-40B4-BE49-F238E27FC236}">
-                <a16:creationId xmlns:a16="http://schemas.microsoft.com/office/drawing/2014/main" id="{273B5DE1-43A7-06AF-8F48-563C1083EFDC}"/>
+                <a16:creationId xmlns:a16="http://schemas.microsoft.com/office/drawing/2014/main" id="{091CDABF-552D-795F-2AA3-D652EE9970D8}"/>
               </a:ext>
             </a:extLst>
           </p:cNvPr>
@@ -1808,7 +1808,7 @@
           <a:bodyPr/>
           <a:lstStyle/>
           <a:p>
-            <a:fld id="{2789D620-C528-4A3A-BA49-40B12A8B4ACB}" type="datetimeFigureOut">
+            <a:fld id="{2DB0E834-B6FB-4A10-9C25-79D73218A930}" type="datetimeFigureOut">
               <a:rPr lang="zh-CN" altLang="en-US" smtClean="0"/>
               <a:t>2024/3/10</a:t>
             </a:fld>
@@ -1821,7 +1821,7 @@
           <p:cNvPr id="8" name="页脚占位符 7">
             <a:extLst>
               <a:ext uri="{FF2B5EF4-FFF2-40B4-BE49-F238E27FC236}">
-                <a16:creationId xmlns:a16="http://schemas.microsoft.com/office/drawing/2014/main" id="{13E8AA31-0FEB-31FC-BDFF-660B8E01964C}"/>
+                <a16:creationId xmlns:a16="http://schemas.microsoft.com/office/drawing/2014/main" id="{6F3FE095-3F7B-C9EB-CBDD-26FD6EEB225E}"/>
               </a:ext>
             </a:extLst>
           </p:cNvPr>
@@ -1846,7 +1846,7 @@
           <p:cNvPr id="9" name="灯片编号占位符 8">
             <a:extLst>
               <a:ext uri="{FF2B5EF4-FFF2-40B4-BE49-F238E27FC236}">
-                <a16:creationId xmlns:a16="http://schemas.microsoft.com/office/drawing/2014/main" id="{9061BF85-18E8-2199-0F38-2B291EE6146B}"/>
+                <a16:creationId xmlns:a16="http://schemas.microsoft.com/office/drawing/2014/main" id="{4196CA5A-B1E7-1AE2-0F29-83BA09CFC695}"/>
               </a:ext>
             </a:extLst>
           </p:cNvPr>
@@ -1862,7 +1862,7 @@
           <a:bodyPr/>
           <a:lstStyle/>
           <a:p>
-            <a:fld id="{C9258441-4333-4267-B295-8BB494AA7183}" type="slidenum">
+            <a:fld id="{0EEC29DF-C9A2-41A6-8FC1-841BC816C07E}" type="slidenum">
               <a:rPr lang="zh-CN" altLang="en-US" smtClean="0"/>
               <a:t>‹#›</a:t>
             </a:fld>
@@ -1873,7 +1873,7 @@
     </p:spTree>
     <p:extLst>
       <p:ext uri="{BB962C8B-B14F-4D97-AF65-F5344CB8AC3E}">
-        <p14:creationId xmlns:p14="http://schemas.microsoft.com/office/powerpoint/2010/main" val="3244240126"/>
+        <p14:creationId xmlns:p14="http://schemas.microsoft.com/office/powerpoint/2010/main" val="4270176858"/>
       </p:ext>
     </p:extLst>
   </p:cSld>
@@ -1905,7 +1905,7 @@
           <p:cNvPr id="2" name="标题 1">
             <a:extLst>
               <a:ext uri="{FF2B5EF4-FFF2-40B4-BE49-F238E27FC236}">
-                <a16:creationId xmlns:a16="http://schemas.microsoft.com/office/drawing/2014/main" id="{5B3D2F2F-6C77-669B-ADBA-25445347D354}"/>
+                <a16:creationId xmlns:a16="http://schemas.microsoft.com/office/drawing/2014/main" id="{734C1B30-A1FD-AC57-11A0-389A9F70AD88}"/>
               </a:ext>
             </a:extLst>
           </p:cNvPr>
@@ -1933,7 +1933,7 @@
           <p:cNvPr id="3" name="日期占位符 2">
             <a:extLst>
               <a:ext uri="{FF2B5EF4-FFF2-40B4-BE49-F238E27FC236}">
-                <a16:creationId xmlns:a16="http://schemas.microsoft.com/office/drawing/2014/main" id="{5E7A9BAE-5A41-6790-CCFB-F00CF1A87E1D}"/>
+                <a16:creationId xmlns:a16="http://schemas.microsoft.com/office/drawing/2014/main" id="{A8AA27A5-A7E2-0E88-DCC5-FA1AA07A3A98}"/>
               </a:ext>
             </a:extLst>
           </p:cNvPr>
@@ -1949,7 +1949,7 @@
           <a:bodyPr/>
           <a:lstStyle/>
           <a:p>
-            <a:fld id="{2789D620-C528-4A3A-BA49-40B12A8B4ACB}" type="datetimeFigureOut">
+            <a:fld id="{2DB0E834-B6FB-4A10-9C25-79D73218A930}" type="datetimeFigureOut">
               <a:rPr lang="zh-CN" altLang="en-US" smtClean="0"/>
               <a:t>2024/3/10</a:t>
             </a:fld>
@@ -1962,7 +1962,7 @@
           <p:cNvPr id="4" name="页脚占位符 3">
             <a:extLst>
               <a:ext uri="{FF2B5EF4-FFF2-40B4-BE49-F238E27FC236}">
-                <a16:creationId xmlns:a16="http://schemas.microsoft.com/office/drawing/2014/main" id="{17B0856C-26F9-594B-5736-AB01CB9AFCF0}"/>
+                <a16:creationId xmlns:a16="http://schemas.microsoft.com/office/drawing/2014/main" id="{E26492FD-4C93-4F55-B929-83228FC1E9D4}"/>
               </a:ext>
             </a:extLst>
           </p:cNvPr>
@@ -1987,7 +1987,7 @@
           <p:cNvPr id="5" name="灯片编号占位符 4">
             <a:extLst>
               <a:ext uri="{FF2B5EF4-FFF2-40B4-BE49-F238E27FC236}">
-                <a16:creationId xmlns:a16="http://schemas.microsoft.com/office/drawing/2014/main" id="{E5AC00E4-7943-2456-270D-4F0B56F15616}"/>
+                <a16:creationId xmlns:a16="http://schemas.microsoft.com/office/drawing/2014/main" id="{C2F04136-6717-32F0-2CD1-556523D056FE}"/>
               </a:ext>
             </a:extLst>
           </p:cNvPr>
@@ -2003,7 +2003,7 @@
           <a:bodyPr/>
           <a:lstStyle/>
           <a:p>
-            <a:fld id="{C9258441-4333-4267-B295-8BB494AA7183}" type="slidenum">
+            <a:fld id="{0EEC29DF-C9A2-41A6-8FC1-841BC816C07E}" type="slidenum">
               <a:rPr lang="zh-CN" altLang="en-US" smtClean="0"/>
               <a:t>‹#›</a:t>
             </a:fld>
@@ -2014,7 +2014,7 @@
     </p:spTree>
     <p:extLst>
       <p:ext uri="{BB962C8B-B14F-4D97-AF65-F5344CB8AC3E}">
-        <p14:creationId xmlns:p14="http://schemas.microsoft.com/office/powerpoint/2010/main" val="518019031"/>
+        <p14:creationId xmlns:p14="http://schemas.microsoft.com/office/powerpoint/2010/main" val="3835459362"/>
       </p:ext>
     </p:extLst>
   </p:cSld>
@@ -2046,7 +2046,7 @@
           <p:cNvPr id="2" name="日期占位符 1">
             <a:extLst>
               <a:ext uri="{FF2B5EF4-FFF2-40B4-BE49-F238E27FC236}">
-                <a16:creationId xmlns:a16="http://schemas.microsoft.com/office/drawing/2014/main" id="{0C68C50B-0C3B-421D-2A0B-BB400B6C7600}"/>
+                <a16:creationId xmlns:a16="http://schemas.microsoft.com/office/drawing/2014/main" id="{424DFAC7-52E0-9D43-1079-1B16B9DC5F5B}"/>
               </a:ext>
             </a:extLst>
           </p:cNvPr>
@@ -2062,7 +2062,7 @@
           <a:bodyPr/>
           <a:lstStyle/>
           <a:p>
-            <a:fld id="{2789D620-C528-4A3A-BA49-40B12A8B4ACB}" type="datetimeFigureOut">
+            <a:fld id="{2DB0E834-B6FB-4A10-9C25-79D73218A930}" type="datetimeFigureOut">
               <a:rPr lang="zh-CN" altLang="en-US" smtClean="0"/>
               <a:t>2024/3/10</a:t>
             </a:fld>
@@ -2075,7 +2075,7 @@
           <p:cNvPr id="3" name="页脚占位符 2">
             <a:extLst>
               <a:ext uri="{FF2B5EF4-FFF2-40B4-BE49-F238E27FC236}">
-                <a16:creationId xmlns:a16="http://schemas.microsoft.com/office/drawing/2014/main" id="{03AE103E-7B1A-56ED-0592-E76900487DE2}"/>
+                <a16:creationId xmlns:a16="http://schemas.microsoft.com/office/drawing/2014/main" id="{1F474307-E04F-EC16-1578-A07CC1391B9D}"/>
               </a:ext>
             </a:extLst>
           </p:cNvPr>
@@ -2100,7 +2100,7 @@
           <p:cNvPr id="4" name="灯片编号占位符 3">
             <a:extLst>
               <a:ext uri="{FF2B5EF4-FFF2-40B4-BE49-F238E27FC236}">
-                <a16:creationId xmlns:a16="http://schemas.microsoft.com/office/drawing/2014/main" id="{172099B4-A4DD-D4AE-9653-D5C34423EB0B}"/>
+                <a16:creationId xmlns:a16="http://schemas.microsoft.com/office/drawing/2014/main" id="{6FB5CF18-AB09-BE7D-6D62-6E6B2A7C1CCD}"/>
               </a:ext>
             </a:extLst>
           </p:cNvPr>
@@ -2116,7 +2116,7 @@
           <a:bodyPr/>
           <a:lstStyle/>
           <a:p>
-            <a:fld id="{C9258441-4333-4267-B295-8BB494AA7183}" type="slidenum">
+            <a:fld id="{0EEC29DF-C9A2-41A6-8FC1-841BC816C07E}" type="slidenum">
               <a:rPr lang="zh-CN" altLang="en-US" smtClean="0"/>
               <a:t>‹#›</a:t>
             </a:fld>
@@ -2127,7 +2127,7 @@
     </p:spTree>
     <p:extLst>
       <p:ext uri="{BB962C8B-B14F-4D97-AF65-F5344CB8AC3E}">
-        <p14:creationId xmlns:p14="http://schemas.microsoft.com/office/powerpoint/2010/main" val="2050221862"/>
+        <p14:creationId xmlns:p14="http://schemas.microsoft.com/office/powerpoint/2010/main" val="2609096767"/>
       </p:ext>
     </p:extLst>
   </p:cSld>
@@ -2159,7 +2159,7 @@
           <p:cNvPr id="2" name="标题 1">
             <a:extLst>
               <a:ext uri="{FF2B5EF4-FFF2-40B4-BE49-F238E27FC236}">
-                <a16:creationId xmlns:a16="http://schemas.microsoft.com/office/drawing/2014/main" id="{32CF196A-BD4B-AF99-1D13-358F0628C55A}"/>
+                <a16:creationId xmlns:a16="http://schemas.microsoft.com/office/drawing/2014/main" id="{B85349A0-D336-A228-4F18-C4FA8EC3F642}"/>
               </a:ext>
             </a:extLst>
           </p:cNvPr>
@@ -2196,7 +2196,7 @@
           <p:cNvPr id="3" name="内容占位符 2">
             <a:extLst>
               <a:ext uri="{FF2B5EF4-FFF2-40B4-BE49-F238E27FC236}">
-                <a16:creationId xmlns:a16="http://schemas.microsoft.com/office/drawing/2014/main" id="{34F47BAF-AA15-8601-E53C-417272C0FC6C}"/>
+                <a16:creationId xmlns:a16="http://schemas.microsoft.com/office/drawing/2014/main" id="{15F195BB-3FB4-F385-750B-8676BCA56605}"/>
               </a:ext>
             </a:extLst>
           </p:cNvPr>
@@ -2286,7 +2286,7 @@
           <p:cNvPr id="4" name="文本占位符 3">
             <a:extLst>
               <a:ext uri="{FF2B5EF4-FFF2-40B4-BE49-F238E27FC236}">
-                <a16:creationId xmlns:a16="http://schemas.microsoft.com/office/drawing/2014/main" id="{879D4AA7-F1F5-25E7-7E89-F7E6108C7524}"/>
+                <a16:creationId xmlns:a16="http://schemas.microsoft.com/office/drawing/2014/main" id="{B3B2FEA1-EA38-8D35-17E4-6C2650D1E0EF}"/>
               </a:ext>
             </a:extLst>
           </p:cNvPr>
@@ -2357,7 +2357,7 @@
           <p:cNvPr id="5" name="日期占位符 4">
             <a:extLst>
               <a:ext uri="{FF2B5EF4-FFF2-40B4-BE49-F238E27FC236}">
-                <a16:creationId xmlns:a16="http://schemas.microsoft.com/office/drawing/2014/main" id="{F2BC8A3D-45FD-0D6B-B354-7E8335FB3570}"/>
+                <a16:creationId xmlns:a16="http://schemas.microsoft.com/office/drawing/2014/main" id="{B3B713C4-AFC9-8E15-C79D-71B54BB3C9EB}"/>
               </a:ext>
             </a:extLst>
           </p:cNvPr>
@@ -2373,7 +2373,7 @@
           <a:bodyPr/>
           <a:lstStyle/>
           <a:p>
-            <a:fld id="{2789D620-C528-4A3A-BA49-40B12A8B4ACB}" type="datetimeFigureOut">
+            <a:fld id="{2DB0E834-B6FB-4A10-9C25-79D73218A930}" type="datetimeFigureOut">
               <a:rPr lang="zh-CN" altLang="en-US" smtClean="0"/>
               <a:t>2024/3/10</a:t>
             </a:fld>
@@ -2386,7 +2386,7 @@
           <p:cNvPr id="6" name="页脚占位符 5">
             <a:extLst>
               <a:ext uri="{FF2B5EF4-FFF2-40B4-BE49-F238E27FC236}">
-                <a16:creationId xmlns:a16="http://schemas.microsoft.com/office/drawing/2014/main" id="{02B2927F-1A2A-EFB8-5A00-D47345C2E29A}"/>
+                <a16:creationId xmlns:a16="http://schemas.microsoft.com/office/drawing/2014/main" id="{D3A008FA-C7C7-0521-2CF6-13079DCB5240}"/>
               </a:ext>
             </a:extLst>
           </p:cNvPr>
@@ -2411,7 +2411,7 @@
           <p:cNvPr id="7" name="灯片编号占位符 6">
             <a:extLst>
               <a:ext uri="{FF2B5EF4-FFF2-40B4-BE49-F238E27FC236}">
-                <a16:creationId xmlns:a16="http://schemas.microsoft.com/office/drawing/2014/main" id="{7CD08E9C-FA1E-4E04-1C0A-92E32DC6F907}"/>
+                <a16:creationId xmlns:a16="http://schemas.microsoft.com/office/drawing/2014/main" id="{58CFA57E-31A4-F875-56FC-93D62199FA64}"/>
               </a:ext>
             </a:extLst>
           </p:cNvPr>
@@ -2427,7 +2427,7 @@
           <a:bodyPr/>
           <a:lstStyle/>
           <a:p>
-            <a:fld id="{C9258441-4333-4267-B295-8BB494AA7183}" type="slidenum">
+            <a:fld id="{0EEC29DF-C9A2-41A6-8FC1-841BC816C07E}" type="slidenum">
               <a:rPr lang="zh-CN" altLang="en-US" smtClean="0"/>
               <a:t>‹#›</a:t>
             </a:fld>
@@ -2438,7 +2438,7 @@
     </p:spTree>
     <p:extLst>
       <p:ext uri="{BB962C8B-B14F-4D97-AF65-F5344CB8AC3E}">
-        <p14:creationId xmlns:p14="http://schemas.microsoft.com/office/powerpoint/2010/main" val="1523302690"/>
+        <p14:creationId xmlns:p14="http://schemas.microsoft.com/office/powerpoint/2010/main" val="3460931112"/>
       </p:ext>
     </p:extLst>
   </p:cSld>
@@ -2470,7 +2470,7 @@
           <p:cNvPr id="2" name="标题 1">
             <a:extLst>
               <a:ext uri="{FF2B5EF4-FFF2-40B4-BE49-F238E27FC236}">
-                <a16:creationId xmlns:a16="http://schemas.microsoft.com/office/drawing/2014/main" id="{118CF8CA-4117-B00D-8710-415A0F3FC4F8}"/>
+                <a16:creationId xmlns:a16="http://schemas.microsoft.com/office/drawing/2014/main" id="{1A5470CA-08FB-B120-0BCB-F7209094F2F0}"/>
               </a:ext>
             </a:extLst>
           </p:cNvPr>
@@ -2507,7 +2507,7 @@
           <p:cNvPr id="3" name="图片占位符 2">
             <a:extLst>
               <a:ext uri="{FF2B5EF4-FFF2-40B4-BE49-F238E27FC236}">
-                <a16:creationId xmlns:a16="http://schemas.microsoft.com/office/drawing/2014/main" id="{0A38A0F6-F2CC-049B-2AFB-758176011DF0}"/>
+                <a16:creationId xmlns:a16="http://schemas.microsoft.com/office/drawing/2014/main" id="{07E6529B-B664-835C-D879-0F1D8AC03416}"/>
               </a:ext>
             </a:extLst>
           </p:cNvPr>
@@ -2574,7 +2574,7 @@
           <p:cNvPr id="4" name="文本占位符 3">
             <a:extLst>
               <a:ext uri="{FF2B5EF4-FFF2-40B4-BE49-F238E27FC236}">
-                <a16:creationId xmlns:a16="http://schemas.microsoft.com/office/drawing/2014/main" id="{4F5490BA-2D43-DEFC-3C4B-6EC7FDAB5A50}"/>
+                <a16:creationId xmlns:a16="http://schemas.microsoft.com/office/drawing/2014/main" id="{B463D62C-0066-EA2B-DEC0-2ADC2BE07480}"/>
               </a:ext>
             </a:extLst>
           </p:cNvPr>
@@ -2645,7 +2645,7 @@
           <p:cNvPr id="5" name="日期占位符 4">
             <a:extLst>
               <a:ext uri="{FF2B5EF4-FFF2-40B4-BE49-F238E27FC236}">
-                <a16:creationId xmlns:a16="http://schemas.microsoft.com/office/drawing/2014/main" id="{BCC949C3-552C-0F4E-4762-DCF766E11F0B}"/>
+                <a16:creationId xmlns:a16="http://schemas.microsoft.com/office/drawing/2014/main" id="{862EEDA9-38A9-3F32-F9C4-65FC3467C863}"/>
               </a:ext>
             </a:extLst>
           </p:cNvPr>
@@ -2661,7 +2661,7 @@
           <a:bodyPr/>
           <a:lstStyle/>
           <a:p>
-            <a:fld id="{2789D620-C528-4A3A-BA49-40B12A8B4ACB}" type="datetimeFigureOut">
+            <a:fld id="{2DB0E834-B6FB-4A10-9C25-79D73218A930}" type="datetimeFigureOut">
               <a:rPr lang="zh-CN" altLang="en-US" smtClean="0"/>
               <a:t>2024/3/10</a:t>
             </a:fld>
@@ -2674,7 +2674,7 @@
           <p:cNvPr id="6" name="页脚占位符 5">
             <a:extLst>
               <a:ext uri="{FF2B5EF4-FFF2-40B4-BE49-F238E27FC236}">
-                <a16:creationId xmlns:a16="http://schemas.microsoft.com/office/drawing/2014/main" id="{6BD682C5-90F3-6791-C16B-B1ECBD2D2748}"/>
+                <a16:creationId xmlns:a16="http://schemas.microsoft.com/office/drawing/2014/main" id="{C80E03A1-E648-07EB-0C54-FB0849A94747}"/>
               </a:ext>
             </a:extLst>
           </p:cNvPr>
@@ -2699,7 +2699,7 @@
           <p:cNvPr id="7" name="灯片编号占位符 6">
             <a:extLst>
               <a:ext uri="{FF2B5EF4-FFF2-40B4-BE49-F238E27FC236}">
-                <a16:creationId xmlns:a16="http://schemas.microsoft.com/office/drawing/2014/main" id="{87012F7E-8DA9-D7D8-CE84-C68816314618}"/>
+                <a16:creationId xmlns:a16="http://schemas.microsoft.com/office/drawing/2014/main" id="{7F1F8865-A1A9-2158-F10A-1D04CE167C50}"/>
               </a:ext>
             </a:extLst>
           </p:cNvPr>
@@ -2715,7 +2715,7 @@
           <a:bodyPr/>
           <a:lstStyle/>
           <a:p>
-            <a:fld id="{C9258441-4333-4267-B295-8BB494AA7183}" type="slidenum">
+            <a:fld id="{0EEC29DF-C9A2-41A6-8FC1-841BC816C07E}" type="slidenum">
               <a:rPr lang="zh-CN" altLang="en-US" smtClean="0"/>
               <a:t>‹#›</a:t>
             </a:fld>
@@ -2726,7 +2726,7 @@
     </p:spTree>
     <p:extLst>
       <p:ext uri="{BB962C8B-B14F-4D97-AF65-F5344CB8AC3E}">
-        <p14:creationId xmlns:p14="http://schemas.microsoft.com/office/powerpoint/2010/main" val="2429939908"/>
+        <p14:creationId xmlns:p14="http://schemas.microsoft.com/office/powerpoint/2010/main" val="2264926905"/>
       </p:ext>
     </p:extLst>
   </p:cSld>
@@ -2763,7 +2763,7 @@
           <p:cNvPr id="2" name="标题占位符 1">
             <a:extLst>
               <a:ext uri="{FF2B5EF4-FFF2-40B4-BE49-F238E27FC236}">
-                <a16:creationId xmlns:a16="http://schemas.microsoft.com/office/drawing/2014/main" id="{BF5610A9-D844-93A4-0C38-C95AEB60105B}"/>
+                <a16:creationId xmlns:a16="http://schemas.microsoft.com/office/drawing/2014/main" id="{8EC902A9-B4FE-8394-1D5B-DC36C8A7540C}"/>
               </a:ext>
             </a:extLst>
           </p:cNvPr>
@@ -2801,7 +2801,7 @@
           <p:cNvPr id="3" name="文本占位符 2">
             <a:extLst>
               <a:ext uri="{FF2B5EF4-FFF2-40B4-BE49-F238E27FC236}">
-                <a16:creationId xmlns:a16="http://schemas.microsoft.com/office/drawing/2014/main" id="{B9175122-A0F7-60EB-A311-B61077713627}"/>
+                <a16:creationId xmlns:a16="http://schemas.microsoft.com/office/drawing/2014/main" id="{E26E471E-09DB-4CC0-EC79-D28E8094592E}"/>
               </a:ext>
             </a:extLst>
           </p:cNvPr>
@@ -2868,7 +2868,7 @@
           <p:cNvPr id="4" name="日期占位符 3">
             <a:extLst>
               <a:ext uri="{FF2B5EF4-FFF2-40B4-BE49-F238E27FC236}">
-                <a16:creationId xmlns:a16="http://schemas.microsoft.com/office/drawing/2014/main" id="{E1134A9F-B196-38DA-A794-C0C7E9DEFD2E}"/>
+                <a16:creationId xmlns:a16="http://schemas.microsoft.com/office/drawing/2014/main" id="{8B9429FE-9F1F-3D33-20C0-540EDAFB67F1}"/>
               </a:ext>
             </a:extLst>
           </p:cNvPr>
@@ -2902,7 +2902,7 @@
             </a:lvl1pPr>
           </a:lstStyle>
           <a:p>
-            <a:fld id="{2789D620-C528-4A3A-BA49-40B12A8B4ACB}" type="datetimeFigureOut">
+            <a:fld id="{2DB0E834-B6FB-4A10-9C25-79D73218A930}" type="datetimeFigureOut">
               <a:rPr lang="zh-CN" altLang="en-US" smtClean="0"/>
               <a:t>2024/3/10</a:t>
             </a:fld>
@@ -2915,7 +2915,7 @@
           <p:cNvPr id="5" name="页脚占位符 4">
             <a:extLst>
               <a:ext uri="{FF2B5EF4-FFF2-40B4-BE49-F238E27FC236}">
-                <a16:creationId xmlns:a16="http://schemas.microsoft.com/office/drawing/2014/main" id="{0420FD7A-1FFF-0AB7-1357-AC93ECA2FAEA}"/>
+                <a16:creationId xmlns:a16="http://schemas.microsoft.com/office/drawing/2014/main" id="{CFD109DE-45B4-F706-F9B4-403F82CF46AB}"/>
               </a:ext>
             </a:extLst>
           </p:cNvPr>
@@ -2958,7 +2958,7 @@
           <p:cNvPr id="6" name="灯片编号占位符 5">
             <a:extLst>
               <a:ext uri="{FF2B5EF4-FFF2-40B4-BE49-F238E27FC236}">
-                <a16:creationId xmlns:a16="http://schemas.microsoft.com/office/drawing/2014/main" id="{DC198BDD-20D0-F1B4-9AA2-CC1CACD76DE5}"/>
+                <a16:creationId xmlns:a16="http://schemas.microsoft.com/office/drawing/2014/main" id="{592E4D29-E5FF-3794-59E0-50BE169FC876}"/>
               </a:ext>
             </a:extLst>
           </p:cNvPr>
@@ -2992,7 +2992,7 @@
             </a:lvl1pPr>
           </a:lstStyle>
           <a:p>
-            <a:fld id="{C9258441-4333-4267-B295-8BB494AA7183}" type="slidenum">
+            <a:fld id="{0EEC29DF-C9A2-41A6-8FC1-841BC816C07E}" type="slidenum">
               <a:rPr lang="zh-CN" altLang="en-US" smtClean="0"/>
               <a:t>‹#›</a:t>
             </a:fld>
@@ -3003,7 +3003,7 @@
     </p:spTree>
     <p:extLst>
       <p:ext uri="{BB962C8B-B14F-4D97-AF65-F5344CB8AC3E}">
-        <p14:creationId xmlns:p14="http://schemas.microsoft.com/office/powerpoint/2010/main" val="100125654"/>
+        <p14:creationId xmlns:p14="http://schemas.microsoft.com/office/powerpoint/2010/main" val="1635526734"/>
       </p:ext>
     </p:extLst>
   </p:cSld>
@@ -3323,7 +3323,7 @@
       </p:grpSpPr>
       <p:pic>
         <p:nvPicPr>
-          <p:cNvPr id="1487874" name="Picture 2" descr="1452"/>
+          <p:cNvPr id="1488898" name="Picture 2" descr="1453"/>
           <p:cNvPicPr>
             <a:picLocks noChangeAspect="1" noChangeArrowheads="1"/>
           </p:cNvPicPr>
@@ -3344,8 +3344,8 @@
         </p:blipFill>
         <p:spPr bwMode="auto">
           <a:xfrm>
-            <a:off x="1524000" y="1"/>
-            <a:ext cx="9144000" cy="5445125"/>
+            <a:off x="1524000" y="0"/>
+            <a:ext cx="9144000" cy="5589588"/>
           </a:xfrm>
           <a:prstGeom prst="rect">
             <a:avLst/>
